--- a/class notes/Introduction to Bioconductor I.pptx
+++ b/class notes/Introduction to Bioconductor I.pptx
@@ -7,21 +7,22 @@
   <p:sldIdLst>
     <p:sldId id="256" r:id="rId2"/>
     <p:sldId id="261" r:id="rId3"/>
-    <p:sldId id="262" r:id="rId4"/>
-    <p:sldId id="266" r:id="rId5"/>
-    <p:sldId id="267" r:id="rId6"/>
-    <p:sldId id="257" r:id="rId7"/>
-    <p:sldId id="258" r:id="rId8"/>
-    <p:sldId id="265" r:id="rId9"/>
-    <p:sldId id="264" r:id="rId10"/>
-    <p:sldId id="272" r:id="rId11"/>
-    <p:sldId id="268" r:id="rId12"/>
-    <p:sldId id="270" r:id="rId13"/>
-    <p:sldId id="269" r:id="rId14"/>
-    <p:sldId id="271" r:id="rId15"/>
-    <p:sldId id="260" r:id="rId16"/>
-    <p:sldId id="263" r:id="rId17"/>
-    <p:sldId id="259" r:id="rId18"/>
+    <p:sldId id="273" r:id="rId4"/>
+    <p:sldId id="262" r:id="rId5"/>
+    <p:sldId id="266" r:id="rId6"/>
+    <p:sldId id="267" r:id="rId7"/>
+    <p:sldId id="257" r:id="rId8"/>
+    <p:sldId id="258" r:id="rId9"/>
+    <p:sldId id="265" r:id="rId10"/>
+    <p:sldId id="264" r:id="rId11"/>
+    <p:sldId id="272" r:id="rId12"/>
+    <p:sldId id="268" r:id="rId13"/>
+    <p:sldId id="270" r:id="rId14"/>
+    <p:sldId id="269" r:id="rId15"/>
+    <p:sldId id="271" r:id="rId16"/>
+    <p:sldId id="260" r:id="rId17"/>
+    <p:sldId id="263" r:id="rId18"/>
+    <p:sldId id="259" r:id="rId19"/>
   </p:sldIdLst>
   <p:sldSz cx="12192000" cy="6858000"/>
   <p:notesSz cx="6858000" cy="9144000"/>
@@ -120,6 +121,11 @@
       </a:defRPr>
     </a:lvl9pPr>
   </p:defaultTextStyle>
+  <p:extLst>
+    <p:ext uri="{EFAFB233-063F-42B5-8137-9DF3F51BA10A}">
+      <p15:sldGuideLst xmlns:p15="http://schemas.microsoft.com/office/powerpoint/2012/main"/>
+    </p:ext>
+  </p:extLst>
 </p:presentation>
 </file>
 
@@ -869,7 +875,7 @@
             <a:fld id="{B61BEF0D-F0BB-DE4B-95CE-6DB70DBA9567}" type="datetimeFigureOut">
               <a:rPr lang="en-US" dirty="0"/>
               <a:pPr/>
-              <a:t>2/11/2020</a:t>
+              <a:t>2/13/2020</a:t>
             </a:fld>
             <a:endParaRPr lang="en-US" dirty="0"/>
           </a:p>
@@ -1117,7 +1123,7 @@
             <a:fld id="{B61BEF0D-F0BB-DE4B-95CE-6DB70DBA9567}" type="datetimeFigureOut">
               <a:rPr lang="en-US" dirty="0"/>
               <a:pPr/>
-              <a:t>2/11/2020</a:t>
+              <a:t>2/13/2020</a:t>
             </a:fld>
             <a:endParaRPr lang="en-US" dirty="0"/>
           </a:p>
@@ -1428,7 +1434,7 @@
             <a:fld id="{B61BEF0D-F0BB-DE4B-95CE-6DB70DBA9567}" type="datetimeFigureOut">
               <a:rPr lang="en-US" dirty="0"/>
               <a:pPr/>
-              <a:t>2/11/2020</a:t>
+              <a:t>2/13/2020</a:t>
             </a:fld>
             <a:endParaRPr lang="en-US" dirty="0"/>
           </a:p>
@@ -1758,7 +1764,7 @@
             <a:fld id="{B61BEF0D-F0BB-DE4B-95CE-6DB70DBA9567}" type="datetimeFigureOut">
               <a:rPr lang="en-US" dirty="0"/>
               <a:pPr/>
-              <a:t>2/11/2020</a:t>
+              <a:t>2/13/2020</a:t>
             </a:fld>
             <a:endParaRPr lang="en-US" dirty="0"/>
           </a:p>
@@ -2069,7 +2075,7 @@
             <a:fld id="{B61BEF0D-F0BB-DE4B-95CE-6DB70DBA9567}" type="datetimeFigureOut">
               <a:rPr lang="en-US" dirty="0"/>
               <a:pPr/>
-              <a:t>2/11/2020</a:t>
+              <a:t>2/13/2020</a:t>
             </a:fld>
             <a:endParaRPr lang="en-US" dirty="0"/>
           </a:p>
@@ -2459,7 +2465,7 @@
             <a:fld id="{B61BEF0D-F0BB-DE4B-95CE-6DB70DBA9567}" type="datetimeFigureOut">
               <a:rPr lang="en-US" dirty="0"/>
               <a:pPr/>
-              <a:t>2/11/2020</a:t>
+              <a:t>2/13/2020</a:t>
             </a:fld>
             <a:endParaRPr lang="en-US" dirty="0"/>
           </a:p>
@@ -2625,7 +2631,7 @@
           <a:p>
             <a:fld id="{55C6B4A9-1611-4792-9094-5F34BCA07E0B}" type="datetimeFigureOut">
               <a:rPr lang="en-US" dirty="0"/>
-              <a:t>2/11/2020</a:t>
+              <a:t>2/13/2020</a:t>
             </a:fld>
             <a:endParaRPr lang="en-US" dirty="0"/>
           </a:p>
@@ -2801,7 +2807,7 @@
             <a:fld id="{B61BEF0D-F0BB-DE4B-95CE-6DB70DBA9567}" type="datetimeFigureOut">
               <a:rPr lang="en-US" dirty="0"/>
               <a:pPr/>
-              <a:t>2/11/2020</a:t>
+              <a:t>2/13/2020</a:t>
             </a:fld>
             <a:endParaRPr lang="en-US" dirty="0"/>
           </a:p>
@@ -2967,7 +2973,7 @@
           <a:p>
             <a:fld id="{42A54C80-263E-416B-A8E0-580EDEADCBDC}" type="datetimeFigureOut">
               <a:rPr lang="en-US" dirty="0"/>
-              <a:t>2/11/2020</a:t>
+              <a:t>2/13/2020</a:t>
             </a:fld>
             <a:endParaRPr lang="en-US" dirty="0"/>
           </a:p>
@@ -3210,7 +3216,7 @@
             <a:fld id="{B61BEF0D-F0BB-DE4B-95CE-6DB70DBA9567}" type="datetimeFigureOut">
               <a:rPr lang="en-US" dirty="0"/>
               <a:pPr/>
-              <a:t>2/11/2020</a:t>
+              <a:t>2/13/2020</a:t>
             </a:fld>
             <a:endParaRPr lang="en-US" dirty="0"/>
           </a:p>
@@ -3438,7 +3444,7 @@
           <a:p>
             <a:fld id="{42A54C80-263E-416B-A8E0-580EDEADCBDC}" type="datetimeFigureOut">
               <a:rPr lang="en-US" dirty="0"/>
-              <a:t>2/11/2020</a:t>
+              <a:t>2/13/2020</a:t>
             </a:fld>
             <a:endParaRPr lang="en-US" dirty="0"/>
           </a:p>
@@ -3808,7 +3814,7 @@
             <a:fld id="{B61BEF0D-F0BB-DE4B-95CE-6DB70DBA9567}" type="datetimeFigureOut">
               <a:rPr lang="en-US" dirty="0"/>
               <a:pPr/>
-              <a:t>2/11/2020</a:t>
+              <a:t>2/13/2020</a:t>
             </a:fld>
             <a:endParaRPr lang="en-US" dirty="0"/>
           </a:p>
@@ -3928,7 +3934,7 @@
             <a:fld id="{B61BEF0D-F0BB-DE4B-95CE-6DB70DBA9567}" type="datetimeFigureOut">
               <a:rPr lang="en-US" dirty="0"/>
               <a:pPr/>
-              <a:t>2/11/2020</a:t>
+              <a:t>2/13/2020</a:t>
             </a:fld>
             <a:endParaRPr lang="en-US" dirty="0"/>
           </a:p>
@@ -4020,7 +4026,7 @@
             <a:fld id="{B61BEF0D-F0BB-DE4B-95CE-6DB70DBA9567}" type="datetimeFigureOut">
               <a:rPr lang="en-US" dirty="0"/>
               <a:pPr/>
-              <a:t>2/11/2020</a:t>
+              <a:t>2/13/2020</a:t>
             </a:fld>
             <a:endParaRPr lang="en-US" dirty="0"/>
           </a:p>
@@ -4271,7 +4277,7 @@
           <a:p>
             <a:fld id="{42A54C80-263E-416B-A8E0-580EDEADCBDC}" type="datetimeFigureOut">
               <a:rPr lang="en-US" dirty="0"/>
-              <a:t>2/11/2020</a:t>
+              <a:t>2/13/2020</a:t>
             </a:fld>
             <a:endParaRPr lang="en-US" dirty="0"/>
           </a:p>
@@ -4573,7 +4579,7 @@
             <a:fld id="{B61BEF0D-F0BB-DE4B-95CE-6DB70DBA9567}" type="datetimeFigureOut">
               <a:rPr lang="en-US" dirty="0"/>
               <a:pPr/>
-              <a:t>2/11/2020</a:t>
+              <a:t>2/13/2020</a:t>
             </a:fld>
             <a:endParaRPr lang="en-US" dirty="0"/>
           </a:p>
@@ -5271,7 +5277,7 @@
             <a:fld id="{B61BEF0D-F0BB-DE4B-95CE-6DB70DBA9567}" type="datetimeFigureOut">
               <a:rPr lang="en-US" dirty="0"/>
               <a:pPr/>
-              <a:t>2/11/2020</a:t>
+              <a:t>2/13/2020</a:t>
             </a:fld>
             <a:endParaRPr lang="en-US" dirty="0"/>
           </a:p>
@@ -5890,7 +5896,7 @@
           <a:p>
             <a:r>
               <a:rPr lang="en-US" dirty="0" smtClean="0"/>
-              <a:t>Break</a:t>
+              <a:t>Open-source collaboration &amp; competition to publish first</a:t>
             </a:r>
             <a:endParaRPr lang="en-US" dirty="0"/>
           </a:p>
@@ -5913,8 +5919,22 @@
           <a:p>
             <a:r>
               <a:rPr lang="en-US" dirty="0" smtClean="0"/>
-              <a:t>Take 10 minutes</a:t>
-            </a:r>
+              <a:t>Have you encountered this apparent dichotomy? </a:t>
+            </a:r>
+          </a:p>
+          <a:p>
+            <a:r>
+              <a:rPr lang="en-US" dirty="0" smtClean="0"/>
+              <a:t>How do you think we should address it?</a:t>
+            </a:r>
+          </a:p>
+          <a:p>
+            <a:r>
+              <a:rPr lang="en-US" dirty="0" smtClean="0"/>
+              <a:t>How do you resolve it for yourself?</a:t>
+            </a:r>
+          </a:p>
+          <a:p>
             <a:endParaRPr lang="en-US" dirty="0"/>
           </a:p>
         </p:txBody>
@@ -5922,7 +5942,7 @@
     </p:spTree>
     <p:extLst>
       <p:ext uri="{BB962C8B-B14F-4D97-AF65-F5344CB8AC3E}">
-        <p14:creationId xmlns:p14="http://schemas.microsoft.com/office/powerpoint/2010/main" val="662599542"/>
+        <p14:creationId xmlns:p14="http://schemas.microsoft.com/office/powerpoint/2010/main" val="876867638"/>
       </p:ext>
     </p:extLst>
   </p:cSld>
@@ -5973,7 +5993,7 @@
           <a:p>
             <a:r>
               <a:rPr lang="en-US" dirty="0" smtClean="0"/>
-              <a:t>Home</a:t>
+              <a:t>Break</a:t>
             </a:r>
             <a:endParaRPr lang="en-US" dirty="0"/>
           </a:p>
@@ -5989,110 +6009,14 @@
             <p:ph idx="1"/>
           </p:nvPr>
         </p:nvSpPr>
-        <p:spPr>
-          <a:xfrm>
-            <a:off x="677334" y="1737361"/>
-            <a:ext cx="8596668" cy="4304002"/>
-          </a:xfrm>
-        </p:spPr>
-        <p:txBody>
-          <a:bodyPr>
-            <a:normAutofit fontScale="92500" lnSpcReduction="20000"/>
-          </a:bodyPr>
-          <a:lstStyle/>
-          <a:p>
-            <a:r>
-              <a:rPr lang="en-US" dirty="0" smtClean="0"/>
-              <a:t>Install</a:t>
-            </a:r>
-          </a:p>
-          <a:p>
-            <a:r>
-              <a:rPr lang="en-US" dirty="0" smtClean="0"/>
-              <a:t>Learn</a:t>
-            </a:r>
-          </a:p>
-          <a:p>
-            <a:pPr lvl="1"/>
-            <a:r>
-              <a:rPr lang="en-US" dirty="0" smtClean="0"/>
-              <a:t>FAQs</a:t>
-            </a:r>
-          </a:p>
-          <a:p>
-            <a:pPr lvl="1"/>
-            <a:r>
-              <a:rPr lang="en-US" dirty="0" smtClean="0"/>
-              <a:t>Support</a:t>
-            </a:r>
-          </a:p>
-          <a:p>
-            <a:pPr lvl="1"/>
-            <a:r>
-              <a:rPr lang="en-US" dirty="0" smtClean="0"/>
-              <a:t>Courses </a:t>
-            </a:r>
-          </a:p>
-          <a:p>
-            <a:pPr lvl="1"/>
-            <a:r>
-              <a:rPr lang="en-US" dirty="0" smtClean="0"/>
-              <a:t>Conferences</a:t>
-            </a:r>
-          </a:p>
-          <a:p>
-            <a:pPr lvl="1"/>
-            <a:r>
-              <a:rPr lang="en-US" dirty="0" smtClean="0"/>
-              <a:t>Talks</a:t>
-            </a:r>
-          </a:p>
-          <a:p>
-            <a:pPr lvl="1"/>
-            <a:r>
-              <a:rPr lang="en-US" dirty="0" smtClean="0"/>
-              <a:t>Workflows</a:t>
-            </a:r>
-          </a:p>
-          <a:p>
-            <a:pPr lvl="1"/>
-            <a:r>
-              <a:rPr lang="en-US" dirty="0" smtClean="0">
-                <a:hlinkClick r:id="rId2"/>
-              </a:rPr>
-              <a:t>Additional community resources (blogs, vlogs, etc..)</a:t>
-            </a:r>
-            <a:endParaRPr lang="en-US" dirty="0" smtClean="0"/>
-          </a:p>
-          <a:p>
-            <a:r>
-              <a:rPr lang="en-US" dirty="0" smtClean="0"/>
-              <a:t>Use</a:t>
-            </a:r>
-          </a:p>
-          <a:p>
-            <a:pPr lvl="1"/>
-            <a:r>
-              <a:rPr lang="en-US" dirty="0" smtClean="0"/>
-              <a:t>Package Documentation &amp; Vignettes</a:t>
-            </a:r>
-            <a:endParaRPr lang="en-US" dirty="0"/>
-          </a:p>
-          <a:p>
-            <a:pPr lvl="1"/>
-            <a:r>
-              <a:rPr lang="en-US" dirty="0"/>
-              <a:t>Sample data &amp; </a:t>
-            </a:r>
-            <a:r>
-              <a:rPr lang="en-US" dirty="0" smtClean="0"/>
-              <a:t>annotation</a:t>
-            </a:r>
-          </a:p>
-          <a:p>
-            <a:r>
-              <a:rPr lang="en-US" dirty="0" smtClean="0"/>
-              <a:t>Develop</a:t>
+        <p:spPr/>
+        <p:txBody>
+          <a:bodyPr/>
+          <a:lstStyle/>
+          <a:p>
+            <a:r>
+              <a:rPr lang="en-US" dirty="0" smtClean="0"/>
+              <a:t>Take 10 minutes</a:t>
             </a:r>
             <a:endParaRPr lang="en-US" dirty="0"/>
           </a:p>
@@ -6101,7 +6025,7 @@
     </p:spTree>
     <p:extLst>
       <p:ext uri="{BB962C8B-B14F-4D97-AF65-F5344CB8AC3E}">
-        <p14:creationId xmlns:p14="http://schemas.microsoft.com/office/powerpoint/2010/main" val="1046354397"/>
+        <p14:creationId xmlns:p14="http://schemas.microsoft.com/office/powerpoint/2010/main" val="662599542"/>
       </p:ext>
     </p:extLst>
   </p:cSld>
@@ -6152,7 +6076,7 @@
           <a:p>
             <a:r>
               <a:rPr lang="en-US" dirty="0" smtClean="0"/>
-              <a:t>If you have questions</a:t>
+              <a:t>Home</a:t>
             </a:r>
             <a:endParaRPr lang="en-US" dirty="0"/>
           </a:p>
@@ -6170,113 +6094,108 @@
         </p:nvSpPr>
         <p:spPr>
           <a:xfrm>
-            <a:off x="677334" y="1736640"/>
-            <a:ext cx="8596668" cy="4531156"/>
+            <a:off x="677334" y="1737361"/>
+            <a:ext cx="8596668" cy="4304002"/>
           </a:xfrm>
         </p:spPr>
         <p:txBody>
           <a:bodyPr>
-            <a:normAutofit/>
+            <a:normAutofit fontScale="92500" lnSpcReduction="20000"/>
           </a:bodyPr>
           <a:lstStyle/>
           <a:p>
             <a:r>
               <a:rPr lang="en-US" dirty="0" smtClean="0"/>
-              <a:t>If you don’t understand a method or function, don’t skip it in your analysis</a:t>
-            </a:r>
-          </a:p>
-          <a:p>
-            <a:pPr marL="0" indent="0">
-              <a:buNone/>
-            </a:pPr>
+              <a:t>Install</a:t>
+            </a:r>
+          </a:p>
+          <a:p>
+            <a:r>
+              <a:rPr lang="en-US" dirty="0" smtClean="0"/>
+              <a:t>Learn</a:t>
+            </a:r>
+          </a:p>
+          <a:p>
+            <a:pPr lvl="1"/>
+            <a:r>
+              <a:rPr lang="en-US" dirty="0" smtClean="0"/>
+              <a:t>FAQs</a:t>
+            </a:r>
+          </a:p>
+          <a:p>
+            <a:pPr lvl="1"/>
+            <a:r>
+              <a:rPr lang="en-US" dirty="0" smtClean="0"/>
+              <a:t>Support</a:t>
+            </a:r>
+          </a:p>
+          <a:p>
+            <a:pPr lvl="1"/>
+            <a:r>
+              <a:rPr lang="en-US" dirty="0" smtClean="0"/>
+              <a:t>Courses </a:t>
+            </a:r>
+          </a:p>
+          <a:p>
+            <a:pPr lvl="1"/>
+            <a:r>
+              <a:rPr lang="en-US" dirty="0" smtClean="0"/>
+              <a:t>Conferences</a:t>
+            </a:r>
+          </a:p>
+          <a:p>
+            <a:pPr lvl="1"/>
+            <a:r>
+              <a:rPr lang="en-US" dirty="0" smtClean="0"/>
+              <a:t>Talks</a:t>
+            </a:r>
+          </a:p>
+          <a:p>
+            <a:pPr lvl="1"/>
+            <a:r>
+              <a:rPr lang="en-US" dirty="0" smtClean="0"/>
+              <a:t>Workflows</a:t>
+            </a:r>
+          </a:p>
+          <a:p>
+            <a:pPr lvl="1"/>
+            <a:r>
+              <a:rPr lang="en-US" dirty="0" smtClean="0">
+                <a:hlinkClick r:id="rId2"/>
+              </a:rPr>
+              <a:t>Additional community resources (blogs, vlogs, etc..)</a:t>
+            </a:r>
             <a:endParaRPr lang="en-US" dirty="0" smtClean="0"/>
           </a:p>
           <a:p>
-            <a:pPr>
-              <a:buFont typeface="+mj-lt"/>
-              <a:buAutoNum type="arabicPeriod"/>
-            </a:pPr>
-            <a:r>
-              <a:rPr lang="en-US" dirty="0" smtClean="0"/>
-              <a:t>Documentation</a:t>
-            </a:r>
-          </a:p>
-          <a:p>
-            <a:pPr>
-              <a:buFont typeface="+mj-lt"/>
-              <a:buAutoNum type="arabicPeriod"/>
-            </a:pPr>
-            <a:r>
-              <a:rPr lang="en-US" dirty="0" smtClean="0"/>
-              <a:t>Workflow &amp;/or Vignette</a:t>
-            </a:r>
-          </a:p>
-          <a:p>
-            <a:pPr>
-              <a:buFont typeface="+mj-lt"/>
-              <a:buAutoNum type="arabicPeriod"/>
-            </a:pPr>
-            <a:r>
-              <a:rPr lang="en-US" dirty="0" smtClean="0"/>
-              <a:t>Support Forum </a:t>
+            <a:r>
+              <a:rPr lang="en-US" dirty="0" smtClean="0"/>
+              <a:t>Use</a:t>
             </a:r>
           </a:p>
           <a:p>
             <a:pPr lvl="1"/>
             <a:r>
               <a:rPr lang="en-US" dirty="0" smtClean="0"/>
-              <a:t>Authors respond directly quickly</a:t>
-            </a:r>
+              <a:t>Package Documentation &amp; Vignettes</a:t>
+            </a:r>
+            <a:endParaRPr lang="en-US" dirty="0"/>
           </a:p>
           <a:p>
             <a:pPr lvl="1"/>
             <a:r>
-              <a:rPr lang="en-US" dirty="0" err="1" smtClean="0"/>
-              <a:t>Biostars</a:t>
-            </a:r>
-            <a:r>
-              <a:rPr lang="en-US" dirty="0" smtClean="0"/>
-              <a:t>, r/stats, r/bioinformatics hit or miss</a:t>
-            </a:r>
-          </a:p>
-          <a:p>
-            <a:pPr>
-              <a:buFont typeface="+mj-lt"/>
-              <a:buAutoNum type="arabicPeriod"/>
-            </a:pPr>
-            <a:r>
-              <a:rPr lang="en-US" dirty="0" smtClean="0"/>
-              <a:t>Check again</a:t>
-            </a:r>
-          </a:p>
-          <a:p>
-            <a:pPr>
-              <a:buFont typeface="+mj-lt"/>
-              <a:buAutoNum type="arabicPeriod"/>
-            </a:pPr>
-            <a:r>
-              <a:rPr lang="en-US" dirty="0" smtClean="0"/>
-              <a:t>Technical issue? Update versions and packages, use GitHub issues</a:t>
-            </a:r>
-          </a:p>
-          <a:p>
-            <a:pPr>
-              <a:buFont typeface="+mj-lt"/>
-              <a:buAutoNum type="arabicPeriod"/>
-            </a:pPr>
-            <a:r>
-              <a:rPr lang="en-US" dirty="0" smtClean="0"/>
-              <a:t>Methodological question? Read papers on method (ex: history of FDR)</a:t>
-            </a:r>
-          </a:p>
-          <a:p>
-            <a:pPr>
-              <a:buFont typeface="+mj-lt"/>
-              <a:buAutoNum type="arabicPeriod"/>
-            </a:pPr>
-            <a:r>
-              <a:rPr lang="en-US" dirty="0" smtClean="0"/>
-              <a:t>Last resort: email author directly</a:t>
+              <a:rPr lang="en-US" dirty="0"/>
+              <a:t>Sample data &amp; </a:t>
+            </a:r>
+            <a:r>
+              <a:rPr lang="en-US" dirty="0" smtClean="0"/>
+              <a:t>annotation</a:t>
+            </a:r>
+          </a:p>
+          <a:p>
+            <a:r>
+              <a:rPr lang="en-US" dirty="0" smtClean="0"/>
+              <a:t>Develop</a:t>
             </a:r>
             <a:endParaRPr lang="en-US" dirty="0"/>
           </a:p>
@@ -6285,7 +6204,7 @@
     </p:spTree>
     <p:extLst>
       <p:ext uri="{BB962C8B-B14F-4D97-AF65-F5344CB8AC3E}">
-        <p14:creationId xmlns:p14="http://schemas.microsoft.com/office/powerpoint/2010/main" val="1414355973"/>
+        <p14:creationId xmlns:p14="http://schemas.microsoft.com/office/powerpoint/2010/main" val="1046354397"/>
       </p:ext>
     </p:extLst>
   </p:cSld>
@@ -6336,7 +6255,7 @@
           <a:p>
             <a:r>
               <a:rPr lang="en-US" dirty="0" smtClean="0"/>
-              <a:t>At EICC</a:t>
+              <a:t>If you have questions</a:t>
             </a:r>
             <a:endParaRPr lang="en-US" dirty="0"/>
           </a:p>
@@ -6354,172 +6273,114 @@
         </p:nvSpPr>
         <p:spPr>
           <a:xfrm>
-            <a:off x="677334" y="1354975"/>
-            <a:ext cx="9447568" cy="5444836"/>
+            <a:off x="677334" y="1736640"/>
+            <a:ext cx="8596668" cy="4531156"/>
           </a:xfrm>
         </p:spPr>
         <p:txBody>
           <a:bodyPr>
-            <a:normAutofit fontScale="55000" lnSpcReduction="20000"/>
+            <a:normAutofit/>
           </a:bodyPr>
           <a:lstStyle/>
           <a:p>
+            <a:r>
+              <a:rPr lang="en-US" dirty="0" smtClean="0"/>
+              <a:t>If you don’t understand a method or function, don’t skip it in your analysis</a:t>
+            </a:r>
+          </a:p>
+          <a:p>
             <a:pPr marL="0" indent="0">
               <a:buNone/>
             </a:pPr>
-            <a:r>
-              <a:rPr lang="en-US" sz="2100" b="1" dirty="0" smtClean="0"/>
-              <a:t>RNASeq</a:t>
-            </a:r>
-          </a:p>
-          <a:p>
-            <a:r>
-              <a:rPr lang="en-US" sz="2100" dirty="0" smtClean="0"/>
-              <a:t>edgeR</a:t>
+            <a:endParaRPr lang="en-US" dirty="0" smtClean="0"/>
+          </a:p>
+          <a:p>
+            <a:pPr>
+              <a:buFont typeface="+mj-lt"/>
+              <a:buAutoNum type="arabicPeriod"/>
+            </a:pPr>
+            <a:r>
+              <a:rPr lang="en-US" dirty="0" smtClean="0"/>
+              <a:t>Documentation</a:t>
+            </a:r>
+          </a:p>
+          <a:p>
+            <a:pPr>
+              <a:buFont typeface="+mj-lt"/>
+              <a:buAutoNum type="arabicPeriod"/>
+            </a:pPr>
+            <a:r>
+              <a:rPr lang="en-US" dirty="0" smtClean="0"/>
+              <a:t>Workflow &amp;/or Vignette</a:t>
+            </a:r>
+          </a:p>
+          <a:p>
+            <a:pPr>
+              <a:buFont typeface="+mj-lt"/>
+              <a:buAutoNum type="arabicPeriod"/>
+            </a:pPr>
+            <a:r>
+              <a:rPr lang="en-US" dirty="0" smtClean="0"/>
+              <a:t>Support Forum </a:t>
             </a:r>
           </a:p>
           <a:p>
             <a:pPr lvl="1"/>
             <a:r>
-              <a:rPr lang="en-US" sz="1900" dirty="0" err="1" smtClean="0"/>
-              <a:t>coolmap</a:t>
-            </a:r>
-            <a:endParaRPr lang="en-US" sz="1900" dirty="0" smtClean="0"/>
-          </a:p>
-          <a:p>
-            <a:r>
-              <a:rPr lang="en-US" sz="2100" dirty="0" smtClean="0"/>
-              <a:t>DESeq2</a:t>
+              <a:rPr lang="en-US" dirty="0" smtClean="0"/>
+              <a:t>Authors respond directly quickly</a:t>
             </a:r>
           </a:p>
           <a:p>
             <a:pPr lvl="1"/>
             <a:r>
-              <a:rPr lang="en-US" sz="1900" dirty="0" err="1" smtClean="0"/>
-              <a:t>Apeglm</a:t>
-            </a:r>
-            <a:endParaRPr lang="en-US" sz="1900" dirty="0" smtClean="0"/>
-          </a:p>
-          <a:p>
-            <a:pPr lvl="1"/>
-            <a:r>
-              <a:rPr lang="en-US" sz="1900" dirty="0" err="1" smtClean="0"/>
-              <a:t>Pheatmap</a:t>
-            </a:r>
-            <a:endParaRPr lang="en-US" sz="1900" dirty="0" smtClean="0"/>
-          </a:p>
-          <a:p>
-            <a:pPr lvl="1"/>
-            <a:r>
-              <a:rPr lang="en-US" sz="1900" dirty="0" err="1" smtClean="0"/>
-              <a:t>Enhancedvolcano</a:t>
-            </a:r>
-            <a:r>
-              <a:rPr lang="en-US" sz="1900" dirty="0" smtClean="0"/>
-              <a:t/>
-            </a:r>
-            <a:br>
-              <a:rPr lang="en-US" sz="1900" dirty="0" smtClean="0"/>
-            </a:br>
-            <a:endParaRPr lang="en-US" sz="1900" dirty="0" smtClean="0"/>
-          </a:p>
-          <a:p>
-            <a:r>
-              <a:rPr lang="en-US" sz="2100" dirty="0" err="1" smtClean="0"/>
-              <a:t>Limma</a:t>
-            </a:r>
-            <a:endParaRPr lang="en-US" sz="2100" dirty="0" smtClean="0"/>
-          </a:p>
-          <a:p>
-            <a:r>
-              <a:rPr lang="en-US" sz="2100" dirty="0" err="1" smtClean="0"/>
-              <a:t>Bayseq</a:t>
-            </a:r>
-            <a:endParaRPr lang="en-US" sz="2100" dirty="0" smtClean="0"/>
-          </a:p>
-          <a:p>
-            <a:r>
-              <a:rPr lang="en-US" sz="2100" dirty="0" err="1" smtClean="0"/>
-              <a:t>Noiseq</a:t>
-            </a:r>
-            <a:endParaRPr lang="en-US" sz="2100" dirty="0" smtClean="0"/>
-          </a:p>
-          <a:p>
-            <a:r>
-              <a:rPr lang="en-US" sz="2100" dirty="0" err="1" smtClean="0"/>
-              <a:t>SAMseq</a:t>
-            </a:r>
-            <a:endParaRPr lang="en-US" sz="2100" dirty="0" smtClean="0"/>
-          </a:p>
-          <a:p>
-            <a:pPr marL="0" indent="0">
-              <a:buNone/>
+              <a:rPr lang="en-US" dirty="0" err="1" smtClean="0"/>
+              <a:t>Biostars</a:t>
+            </a:r>
+            <a:r>
+              <a:rPr lang="en-US" dirty="0" smtClean="0"/>
+              <a:t>, r/stats, r/bioinformatics hit or miss</a:t>
+            </a:r>
+          </a:p>
+          <a:p>
+            <a:pPr>
+              <a:buFont typeface="+mj-lt"/>
+              <a:buAutoNum type="arabicPeriod"/>
             </a:pPr>
-            <a:endParaRPr lang="en-US" sz="2100" dirty="0" smtClean="0"/>
-          </a:p>
-          <a:p>
-            <a:pPr marL="0" indent="0">
-              <a:buNone/>
+            <a:r>
+              <a:rPr lang="en-US" dirty="0" smtClean="0"/>
+              <a:t>Check again</a:t>
+            </a:r>
+          </a:p>
+          <a:p>
+            <a:pPr>
+              <a:buFont typeface="+mj-lt"/>
+              <a:buAutoNum type="arabicPeriod"/>
             </a:pPr>
             <a:r>
-              <a:rPr lang="en-US" sz="2100" b="1" dirty="0" smtClean="0"/>
-              <a:t>GO analysis</a:t>
-            </a:r>
-          </a:p>
-          <a:p>
-            <a:r>
-              <a:rPr lang="en-US" sz="2100" dirty="0" smtClean="0"/>
-              <a:t>Goseq</a:t>
-            </a:r>
-          </a:p>
-          <a:p>
-            <a:pPr lvl="1"/>
-            <a:r>
-              <a:rPr lang="en-US" sz="1900" dirty="0" err="1" smtClean="0"/>
-              <a:t>AnnotationDbi</a:t>
-            </a:r>
-            <a:endParaRPr lang="en-US" sz="1900" dirty="0"/>
-          </a:p>
-          <a:p>
-            <a:pPr marL="57150" indent="0">
-              <a:buNone/>
+              <a:rPr lang="en-US" dirty="0" smtClean="0"/>
+              <a:t>Technical issue? Update versions and packages, use GitHub issues</a:t>
+            </a:r>
+          </a:p>
+          <a:p>
+            <a:pPr>
+              <a:buFont typeface="+mj-lt"/>
+              <a:buAutoNum type="arabicPeriod"/>
             </a:pPr>
             <a:r>
-              <a:rPr lang="en-US" sz="2100" b="1" dirty="0" smtClean="0"/>
-              <a:t>16s Microbiome</a:t>
-            </a:r>
-          </a:p>
-          <a:p>
-            <a:r>
-              <a:rPr lang="en-US" sz="2100" dirty="0" err="1" smtClean="0"/>
-              <a:t>Phyloseq</a:t>
-            </a:r>
-            <a:r>
-              <a:rPr lang="en-US" sz="2100" dirty="0" smtClean="0"/>
-              <a:t> + LDM (pending)</a:t>
-            </a:r>
-          </a:p>
-          <a:p>
-            <a:pPr marL="0" indent="0">
-              <a:buNone/>
+              <a:rPr lang="en-US" dirty="0" smtClean="0"/>
+              <a:t>Methodological question? Read papers on method (ex: history of FDR)</a:t>
+            </a:r>
+          </a:p>
+          <a:p>
+            <a:pPr>
+              <a:buFont typeface="+mj-lt"/>
+              <a:buAutoNum type="arabicPeriod"/>
             </a:pPr>
-            <a:endParaRPr lang="en-US" sz="2100" dirty="0" smtClean="0"/>
-          </a:p>
-          <a:p>
-            <a:pPr marL="0" indent="0">
-              <a:buNone/>
-            </a:pPr>
-            <a:r>
-              <a:rPr lang="en-US" sz="2100" b="1" dirty="0" smtClean="0"/>
-              <a:t>Coming soon: proteomics and </a:t>
-            </a:r>
-            <a:r>
-              <a:rPr lang="en-US" sz="2100" b="1" dirty="0" err="1" smtClean="0"/>
-              <a:t>scRNA</a:t>
-            </a:r>
-            <a:endParaRPr lang="en-US" sz="2100" b="1" dirty="0" smtClean="0"/>
-          </a:p>
-          <a:p>
+            <a:r>
+              <a:rPr lang="en-US" dirty="0" smtClean="0"/>
+              <a:t>Last resort: email author directly</a:t>
+            </a:r>
             <a:endParaRPr lang="en-US" dirty="0"/>
           </a:p>
         </p:txBody>
@@ -6527,7 +6388,7 @@
     </p:spTree>
     <p:extLst>
       <p:ext uri="{BB962C8B-B14F-4D97-AF65-F5344CB8AC3E}">
-        <p14:creationId xmlns:p14="http://schemas.microsoft.com/office/powerpoint/2010/main" val="496328979"/>
+        <p14:creationId xmlns:p14="http://schemas.microsoft.com/office/powerpoint/2010/main" val="1414355973"/>
       </p:ext>
     </p:extLst>
   </p:cSld>
@@ -6578,7 +6439,7 @@
           <a:p>
             <a:r>
               <a:rPr lang="en-US" dirty="0" smtClean="0"/>
-              <a:t>Walkthrough of a Walkthrough</a:t>
+              <a:t>At EICC</a:t>
             </a:r>
             <a:endParaRPr lang="en-US" dirty="0"/>
           </a:p>
@@ -6594,21 +6455,174 @@
             <p:ph idx="1"/>
           </p:nvPr>
         </p:nvSpPr>
-        <p:spPr/>
-        <p:txBody>
-          <a:bodyPr/>
-          <a:lstStyle/>
-          <a:p>
-            <a:r>
-              <a:rPr lang="en-US" dirty="0" smtClean="0"/>
+        <p:spPr>
+          <a:xfrm>
+            <a:off x="677334" y="1354975"/>
+            <a:ext cx="9447568" cy="5444836"/>
+          </a:xfrm>
+        </p:spPr>
+        <p:txBody>
+          <a:bodyPr>
+            <a:normAutofit fontScale="55000" lnSpcReduction="20000"/>
+          </a:bodyPr>
+          <a:lstStyle/>
+          <a:p>
+            <a:pPr marL="0" indent="0">
+              <a:buNone/>
+            </a:pPr>
+            <a:r>
+              <a:rPr lang="en-US" sz="2100" b="1" dirty="0" smtClean="0"/>
+              <a:t>RNASeq</a:t>
+            </a:r>
+          </a:p>
+          <a:p>
+            <a:r>
+              <a:rPr lang="en-US" sz="2100" dirty="0" smtClean="0"/>
+              <a:t>edgeR</a:t>
+            </a:r>
+          </a:p>
+          <a:p>
+            <a:pPr lvl="1"/>
+            <a:r>
+              <a:rPr lang="en-US" sz="1900" dirty="0" err="1" smtClean="0"/>
+              <a:t>coolmap</a:t>
+            </a:r>
+            <a:endParaRPr lang="en-US" sz="1900" dirty="0" smtClean="0"/>
+          </a:p>
+          <a:p>
+            <a:r>
+              <a:rPr lang="en-US" sz="2100" dirty="0" smtClean="0"/>
               <a:t>DESeq2</a:t>
             </a:r>
           </a:p>
           <a:p>
-            <a:r>
-              <a:rPr lang="en-US" dirty="0" smtClean="0"/>
-              <a:t>Enhanced Volcano</a:t>
-            </a:r>
+            <a:pPr lvl="1"/>
+            <a:r>
+              <a:rPr lang="en-US" sz="1900" dirty="0" err="1" smtClean="0"/>
+              <a:t>Apeglm</a:t>
+            </a:r>
+            <a:endParaRPr lang="en-US" sz="1900" dirty="0" smtClean="0"/>
+          </a:p>
+          <a:p>
+            <a:pPr lvl="1"/>
+            <a:r>
+              <a:rPr lang="en-US" sz="1900" dirty="0" err="1" smtClean="0"/>
+              <a:t>Pheatmap</a:t>
+            </a:r>
+            <a:endParaRPr lang="en-US" sz="1900" dirty="0" smtClean="0"/>
+          </a:p>
+          <a:p>
+            <a:pPr lvl="1"/>
+            <a:r>
+              <a:rPr lang="en-US" sz="1900" dirty="0" err="1" smtClean="0"/>
+              <a:t>Enhancedvolcano</a:t>
+            </a:r>
+            <a:r>
+              <a:rPr lang="en-US" sz="1900" dirty="0" smtClean="0"/>
+              <a:t/>
+            </a:r>
+            <a:br>
+              <a:rPr lang="en-US" sz="1900" dirty="0" smtClean="0"/>
+            </a:br>
+            <a:endParaRPr lang="en-US" sz="1900" dirty="0" smtClean="0"/>
+          </a:p>
+          <a:p>
+            <a:r>
+              <a:rPr lang="en-US" sz="2100" dirty="0" err="1" smtClean="0"/>
+              <a:t>Limma</a:t>
+            </a:r>
+            <a:endParaRPr lang="en-US" sz="2100" dirty="0" smtClean="0"/>
+          </a:p>
+          <a:p>
+            <a:r>
+              <a:rPr lang="en-US" sz="2100" dirty="0" err="1" smtClean="0"/>
+              <a:t>Bayseq</a:t>
+            </a:r>
+            <a:endParaRPr lang="en-US" sz="2100" dirty="0" smtClean="0"/>
+          </a:p>
+          <a:p>
+            <a:r>
+              <a:rPr lang="en-US" sz="2100" dirty="0" err="1" smtClean="0"/>
+              <a:t>Noiseq</a:t>
+            </a:r>
+            <a:endParaRPr lang="en-US" sz="2100" dirty="0" smtClean="0"/>
+          </a:p>
+          <a:p>
+            <a:r>
+              <a:rPr lang="en-US" sz="2100" dirty="0" err="1" smtClean="0"/>
+              <a:t>SAMseq</a:t>
+            </a:r>
+            <a:endParaRPr lang="en-US" sz="2100" dirty="0" smtClean="0"/>
+          </a:p>
+          <a:p>
+            <a:pPr marL="0" indent="0">
+              <a:buNone/>
+            </a:pPr>
+            <a:endParaRPr lang="en-US" sz="2100" dirty="0" smtClean="0"/>
+          </a:p>
+          <a:p>
+            <a:pPr marL="0" indent="0">
+              <a:buNone/>
+            </a:pPr>
+            <a:r>
+              <a:rPr lang="en-US" sz="2100" b="1" dirty="0" smtClean="0"/>
+              <a:t>GO analysis</a:t>
+            </a:r>
+          </a:p>
+          <a:p>
+            <a:r>
+              <a:rPr lang="en-US" sz="2100" dirty="0" smtClean="0"/>
+              <a:t>Goseq</a:t>
+            </a:r>
+          </a:p>
+          <a:p>
+            <a:pPr lvl="1"/>
+            <a:r>
+              <a:rPr lang="en-US" sz="1900" dirty="0" err="1" smtClean="0"/>
+              <a:t>AnnotationDbi</a:t>
+            </a:r>
+            <a:endParaRPr lang="en-US" sz="1900" dirty="0"/>
+          </a:p>
+          <a:p>
+            <a:pPr marL="57150" indent="0">
+              <a:buNone/>
+            </a:pPr>
+            <a:r>
+              <a:rPr lang="en-US" sz="2100" b="1" dirty="0" smtClean="0"/>
+              <a:t>16s Microbiome</a:t>
+            </a:r>
+          </a:p>
+          <a:p>
+            <a:r>
+              <a:rPr lang="en-US" sz="2100" dirty="0" err="1" smtClean="0"/>
+              <a:t>Phyloseq</a:t>
+            </a:r>
+            <a:r>
+              <a:rPr lang="en-US" sz="2100" dirty="0" smtClean="0"/>
+              <a:t> + LDM (pending)</a:t>
+            </a:r>
+          </a:p>
+          <a:p>
+            <a:pPr marL="0" indent="0">
+              <a:buNone/>
+            </a:pPr>
+            <a:endParaRPr lang="en-US" sz="2100" dirty="0" smtClean="0"/>
+          </a:p>
+          <a:p>
+            <a:pPr marL="0" indent="0">
+              <a:buNone/>
+            </a:pPr>
+            <a:r>
+              <a:rPr lang="en-US" sz="2100" b="1" dirty="0" smtClean="0"/>
+              <a:t>Coming soon: proteomics and </a:t>
+            </a:r>
+            <a:r>
+              <a:rPr lang="en-US" sz="2100" b="1" dirty="0" err="1" smtClean="0"/>
+              <a:t>scRNA</a:t>
+            </a:r>
+            <a:endParaRPr lang="en-US" sz="2100" b="1" dirty="0" smtClean="0"/>
+          </a:p>
+          <a:p>
             <a:endParaRPr lang="en-US" dirty="0"/>
           </a:p>
         </p:txBody>
@@ -6616,7 +6630,7 @@
     </p:spTree>
     <p:extLst>
       <p:ext uri="{BB962C8B-B14F-4D97-AF65-F5344CB8AC3E}">
-        <p14:creationId xmlns:p14="http://schemas.microsoft.com/office/powerpoint/2010/main" val="1920532182"/>
+        <p14:creationId xmlns:p14="http://schemas.microsoft.com/office/powerpoint/2010/main" val="496328979"/>
       </p:ext>
     </p:extLst>
   </p:cSld>
@@ -6667,7 +6681,7 @@
           <a:p>
             <a:r>
               <a:rPr lang="en-US" dirty="0" smtClean="0"/>
-              <a:t>Homework</a:t>
+              <a:t>Walkthrough of a Walkthrough</a:t>
             </a:r>
             <a:endParaRPr lang="en-US" dirty="0"/>
           </a:p>
@@ -6690,42 +6704,22 @@
           <a:p>
             <a:r>
               <a:rPr lang="en-US" dirty="0" smtClean="0"/>
-              <a:t>Prepare a response for discussion: </a:t>
-            </a:r>
-          </a:p>
-          <a:p>
-            <a:pPr lvl="1"/>
-            <a:r>
-              <a:rPr lang="en-US" dirty="0"/>
-              <a:t>Recall lecture on reproducible research and think about what makes a method reproducible or not</a:t>
-            </a:r>
-          </a:p>
-          <a:p>
-            <a:pPr lvl="1"/>
-            <a:r>
-              <a:rPr lang="en-US" dirty="0" smtClean="0"/>
-              <a:t>List 1-2 examples from the Bioconductor website that support or refute that its methods are reproducible</a:t>
-            </a:r>
-          </a:p>
-          <a:p>
-            <a:r>
-              <a:rPr lang="en-US" dirty="0" smtClean="0"/>
-              <a:t>HW 3 due 2/18</a:t>
-            </a:r>
-          </a:p>
-          <a:p>
-            <a:pPr lvl="1"/>
-            <a:r>
-              <a:rPr lang="en-US" dirty="0" smtClean="0"/>
-              <a:t>Get creative with the color scheme, axes</a:t>
-            </a:r>
+              <a:t>DESeq2</a:t>
+            </a:r>
+          </a:p>
+          <a:p>
+            <a:r>
+              <a:rPr lang="en-US" dirty="0" smtClean="0"/>
+              <a:t>Enhanced Volcano</a:t>
+            </a:r>
+            <a:endParaRPr lang="en-US" dirty="0"/>
           </a:p>
         </p:txBody>
       </p:sp>
     </p:spTree>
     <p:extLst>
       <p:ext uri="{BB962C8B-B14F-4D97-AF65-F5344CB8AC3E}">
-        <p14:creationId xmlns:p14="http://schemas.microsoft.com/office/powerpoint/2010/main" val="1555043149"/>
+        <p14:creationId xmlns:p14="http://schemas.microsoft.com/office/powerpoint/2010/main" val="1920532182"/>
       </p:ext>
     </p:extLst>
   </p:cSld>
@@ -6776,6 +6770,115 @@
           <a:p>
             <a:r>
               <a:rPr lang="en-US" dirty="0" smtClean="0"/>
+              <a:t>Homework</a:t>
+            </a:r>
+            <a:endParaRPr lang="en-US" dirty="0"/>
+          </a:p>
+        </p:txBody>
+      </p:sp>
+      <p:sp>
+        <p:nvSpPr>
+          <p:cNvPr id="3" name="Content Placeholder 2"/>
+          <p:cNvSpPr>
+            <a:spLocks noGrp="1"/>
+          </p:cNvSpPr>
+          <p:nvPr>
+            <p:ph idx="1"/>
+          </p:nvPr>
+        </p:nvSpPr>
+        <p:spPr/>
+        <p:txBody>
+          <a:bodyPr/>
+          <a:lstStyle/>
+          <a:p>
+            <a:r>
+              <a:rPr lang="en-US" dirty="0" smtClean="0"/>
+              <a:t>Prepare a response for discussion: </a:t>
+            </a:r>
+          </a:p>
+          <a:p>
+            <a:pPr lvl="1"/>
+            <a:r>
+              <a:rPr lang="en-US" dirty="0"/>
+              <a:t>Recall lecture on reproducible research and think about what makes a method reproducible or not</a:t>
+            </a:r>
+          </a:p>
+          <a:p>
+            <a:pPr lvl="1"/>
+            <a:r>
+              <a:rPr lang="en-US" dirty="0" smtClean="0"/>
+              <a:t>List 1-2 examples from the Bioconductor website that support or refute that its methods are reproducible</a:t>
+            </a:r>
+          </a:p>
+          <a:p>
+            <a:r>
+              <a:rPr lang="en-US" dirty="0" smtClean="0"/>
+              <a:t>HW 3 due 2/18</a:t>
+            </a:r>
+          </a:p>
+          <a:p>
+            <a:pPr lvl="1"/>
+            <a:r>
+              <a:rPr lang="en-US" dirty="0" smtClean="0"/>
+              <a:t>Get creative with the color scheme, axes</a:t>
+            </a:r>
+          </a:p>
+        </p:txBody>
+      </p:sp>
+    </p:spTree>
+    <p:extLst>
+      <p:ext uri="{BB962C8B-B14F-4D97-AF65-F5344CB8AC3E}">
+        <p14:creationId xmlns:p14="http://schemas.microsoft.com/office/powerpoint/2010/main" val="1555043149"/>
+      </p:ext>
+    </p:extLst>
+  </p:cSld>
+  <p:clrMapOvr>
+    <a:masterClrMapping/>
+  </p:clrMapOvr>
+  <p:timing>
+    <p:tnLst>
+      <p:par>
+        <p:cTn id="1" dur="indefinite" restart="never" nodeType="tmRoot"/>
+      </p:par>
+    </p:tnLst>
+  </p:timing>
+</p:sld>
+</file>
+
+<file path=ppt/slides/slide17.xml><?xml version="1.0" encoding="utf-8"?>
+<p:sld xmlns:a="http://schemas.openxmlformats.org/drawingml/2006/main" xmlns:r="http://schemas.openxmlformats.org/officeDocument/2006/relationships" xmlns:p="http://schemas.openxmlformats.org/presentationml/2006/main">
+  <p:cSld>
+    <p:spTree>
+      <p:nvGrpSpPr>
+        <p:cNvPr id="1" name=""/>
+        <p:cNvGrpSpPr/>
+        <p:nvPr/>
+      </p:nvGrpSpPr>
+      <p:grpSpPr>
+        <a:xfrm>
+          <a:off x="0" y="0"/>
+          <a:ext cx="0" cy="0"/>
+          <a:chOff x="0" y="0"/>
+          <a:chExt cx="0" cy="0"/>
+        </a:xfrm>
+      </p:grpSpPr>
+      <p:sp>
+        <p:nvSpPr>
+          <p:cNvPr id="2" name="Title 1"/>
+          <p:cNvSpPr>
+            <a:spLocks noGrp="1"/>
+          </p:cNvSpPr>
+          <p:nvPr>
+            <p:ph type="title"/>
+          </p:nvPr>
+        </p:nvSpPr>
+        <p:spPr/>
+        <p:txBody>
+          <a:bodyPr/>
+          <a:lstStyle/>
+          <a:p>
+            <a:r>
+              <a:rPr lang="en-US" dirty="0" smtClean="0"/>
               <a:t>If curious</a:t>
             </a:r>
             <a:endParaRPr lang="en-US" dirty="0"/>
@@ -6834,7 +6937,7 @@
 </p:sld>
 </file>
 
-<file path=ppt/slides/slide17.xml><?xml version="1.0" encoding="utf-8"?>
+<file path=ppt/slides/slide18.xml><?xml version="1.0" encoding="utf-8"?>
 <p:sld xmlns:a="http://schemas.openxmlformats.org/drawingml/2006/main" xmlns:r="http://schemas.openxmlformats.org/officeDocument/2006/relationships" xmlns:p="http://schemas.openxmlformats.org/presentationml/2006/main">
   <p:cSld>
     <p:spTree>
@@ -7087,20 +7190,46 @@
           <a:p>
             <a:r>
               <a:rPr lang="en-US" dirty="0" smtClean="0"/>
-              <a:t>HW 2 due today</a:t>
-            </a:r>
-          </a:p>
-          <a:p>
-            <a:r>
-              <a:rPr lang="en-US" dirty="0" smtClean="0"/>
-              <a:t>Thanks for scheduling office hours with Kimberley and I!</a:t>
-            </a:r>
-          </a:p>
-          <a:p>
-            <a:r>
-              <a:rPr lang="en-US" dirty="0" smtClean="0"/>
-              <a:t>Questions, comments, feedback?</a:t>
-            </a:r>
+              <a:t>HW </a:t>
+            </a:r>
+            <a:r>
+              <a:rPr lang="en-US" dirty="0" smtClean="0"/>
+              <a:t>3 due Tuesday</a:t>
+            </a:r>
+          </a:p>
+          <a:p>
+            <a:r>
+              <a:rPr lang="en-US" dirty="0" smtClean="0"/>
+              <a:t>Thanks </a:t>
+            </a:r>
+            <a:r>
+              <a:rPr lang="en-US" dirty="0" smtClean="0"/>
+              <a:t>for scheduling office hours with Kimberley and I</a:t>
+            </a:r>
+            <a:r>
+              <a:rPr lang="en-US" dirty="0" smtClean="0"/>
+              <a:t>! Please see us with any questions about submitting HW or comments on your </a:t>
+            </a:r>
+            <a:r>
+              <a:rPr lang="en-US" smtClean="0"/>
+              <a:t>HW.</a:t>
+            </a:r>
+            <a:endParaRPr lang="en-US" dirty="0" smtClean="0"/>
+          </a:p>
+          <a:p>
+            <a:r>
+              <a:rPr lang="en-US" dirty="0" smtClean="0"/>
+              <a:t>Questions, comments, feedback</a:t>
+            </a:r>
+            <a:r>
+              <a:rPr lang="en-US" dirty="0" smtClean="0"/>
+              <a:t>?</a:t>
+            </a:r>
+          </a:p>
+          <a:p>
+            <a:pPr marL="0" indent="0">
+              <a:buNone/>
+            </a:pPr>
             <a:endParaRPr lang="en-US" dirty="0"/>
           </a:p>
         </p:txBody>
@@ -7152,7 +7281,7 @@
           <a:p>
             <a:r>
               <a:rPr lang="en-US" dirty="0" smtClean="0"/>
-              <a:t>Recap</a:t>
+              <a:t>HW2 Review</a:t>
             </a:r>
             <a:endParaRPr lang="en-US" dirty="0"/>
           </a:p>
@@ -7175,54 +7304,34 @@
           <a:p>
             <a:r>
               <a:rPr lang="en-US" dirty="0" smtClean="0"/>
-              <a:t>Last class: </a:t>
-            </a:r>
-          </a:p>
-          <a:p>
-            <a:pPr lvl="1"/>
-            <a:r>
-              <a:rPr lang="en-US" dirty="0" smtClean="0"/>
-              <a:t>HW1 grade review</a:t>
-            </a:r>
-          </a:p>
-          <a:p>
-            <a:pPr lvl="1"/>
-            <a:r>
-              <a:rPr lang="en-US" dirty="0" smtClean="0"/>
-              <a:t>Python Basics (Practice)</a:t>
-            </a:r>
-          </a:p>
-          <a:p>
-            <a:r>
-              <a:rPr lang="en-US" dirty="0" smtClean="0"/>
-              <a:t>This class:</a:t>
-            </a:r>
-          </a:p>
-          <a:p>
-            <a:pPr lvl="1"/>
-            <a:r>
-              <a:rPr lang="en-US" dirty="0" smtClean="0"/>
-              <a:t>Introduction to Bioconductor I</a:t>
-            </a:r>
-          </a:p>
-          <a:p>
-            <a:pPr indent="-285750"/>
-            <a:r>
-              <a:rPr lang="en-US" dirty="0" smtClean="0"/>
-              <a:t>Next class:</a:t>
-            </a:r>
-          </a:p>
-          <a:p>
-            <a:pPr lvl="1"/>
-            <a:r>
-              <a:rPr lang="en-US" dirty="0" smtClean="0"/>
-              <a:t>Introduction to Bioconductor II</a:t>
-            </a:r>
-          </a:p>
-          <a:p>
-            <a:pPr marL="457200" lvl="1" indent="0">
-              <a:buNone/>
-            </a:pPr>
+              <a:t>Mean grade was same as HW1, 3.6</a:t>
+            </a:r>
+          </a:p>
+          <a:p>
+            <a:r>
+              <a:rPr lang="en-US" dirty="0" smtClean="0"/>
+              <a:t>SD decreased by half a point, more people getting higher grades</a:t>
+            </a:r>
+          </a:p>
+          <a:p>
+            <a:r>
+              <a:rPr lang="en-US" dirty="0" smtClean="0"/>
+              <a:t>Still </a:t>
+            </a:r>
+            <a:r>
+              <a:rPr lang="en-US" dirty="0" err="1" smtClean="0"/>
+              <a:t>som</a:t>
+            </a:r>
+            <a:r>
+              <a:rPr lang="en-US" dirty="0" smtClean="0"/>
+              <a:t> submission problems</a:t>
+            </a:r>
+          </a:p>
+          <a:p>
+            <a:r>
+              <a:rPr lang="en-US" dirty="0" smtClean="0"/>
+              <a:t>Informal vs manual unit tests in production code</a:t>
+            </a:r>
             <a:endParaRPr lang="en-US" dirty="0"/>
           </a:p>
         </p:txBody>
@@ -7230,7 +7339,7 @@
     </p:spTree>
     <p:extLst>
       <p:ext uri="{BB962C8B-B14F-4D97-AF65-F5344CB8AC3E}">
-        <p14:creationId xmlns:p14="http://schemas.microsoft.com/office/powerpoint/2010/main" val="2925747970"/>
+        <p14:creationId xmlns:p14="http://schemas.microsoft.com/office/powerpoint/2010/main" val="2388027550"/>
       </p:ext>
     </p:extLst>
   </p:cSld>
@@ -7274,7 +7383,7 @@
           <a:p>
             <a:r>
               <a:rPr lang="en-US" dirty="0" smtClean="0"/>
-              <a:t>Getting started</a:t>
+              <a:t>Recap</a:t>
             </a:r>
             <a:endParaRPr lang="en-US" dirty="0"/>
           </a:p>
@@ -7292,45 +7401,63 @@
         </p:nvSpPr>
         <p:spPr/>
         <p:txBody>
-          <a:bodyPr>
-            <a:normAutofit lnSpcReduction="10000"/>
-          </a:bodyPr>
-          <a:lstStyle/>
-          <a:p>
-            <a:r>
-              <a:rPr lang="en-US" dirty="0" smtClean="0"/>
-              <a:t>Your lab just got a grant to do a bulk RNASeq project. Sweet!</a:t>
-            </a:r>
-          </a:p>
-          <a:p>
-            <a:r>
-              <a:rPr lang="en-US" dirty="0" smtClean="0"/>
-              <a:t>Your lab partner is handling the data collection and you have volunteered to learn to do the analysis.</a:t>
-            </a:r>
-          </a:p>
-          <a:p>
-            <a:r>
-              <a:rPr lang="en-US" dirty="0" smtClean="0"/>
-              <a:t>This is your first analysis project. You have no experience in these methods and maybe you have had some math classes and maybe you haven’t. </a:t>
-            </a:r>
-          </a:p>
-          <a:p>
-            <a:r>
-              <a:rPr lang="en-US" dirty="0" smtClean="0"/>
-              <a:t>Your P.I. has seen a few papers on experiments using RNASeq but primarily wants you to replicate the graphs in the papers, their expertise is not in the analysis methods</a:t>
-            </a:r>
-          </a:p>
-          <a:p>
-            <a:r>
-              <a:rPr lang="en-US" dirty="0" smtClean="0"/>
-              <a:t>You know of some faculty who specialize in analysis of this type of data and could ask them but you want to be able to come to them with thoughtful questions </a:t>
-            </a:r>
-          </a:p>
-          <a:p>
-            <a:r>
-              <a:rPr lang="en-US" dirty="0" smtClean="0"/>
-              <a:t>What would you do?</a:t>
-            </a:r>
+          <a:bodyPr/>
+          <a:lstStyle/>
+          <a:p>
+            <a:r>
+              <a:rPr lang="en-US" dirty="0" smtClean="0"/>
+              <a:t>Last class: </a:t>
+            </a:r>
+          </a:p>
+          <a:p>
+            <a:pPr lvl="1"/>
+            <a:r>
+              <a:rPr lang="en-US" dirty="0" smtClean="0"/>
+              <a:t>HW1 </a:t>
+            </a:r>
+            <a:r>
+              <a:rPr lang="en-US" dirty="0" smtClean="0"/>
+              <a:t>grade review</a:t>
+            </a:r>
+          </a:p>
+          <a:p>
+            <a:pPr lvl="1"/>
+            <a:r>
+              <a:rPr lang="en-US" dirty="0" smtClean="0"/>
+              <a:t>Python Basics (Practice)</a:t>
+            </a:r>
+          </a:p>
+          <a:p>
+            <a:r>
+              <a:rPr lang="en-US" dirty="0" smtClean="0"/>
+              <a:t>This class:</a:t>
+            </a:r>
+          </a:p>
+          <a:p>
+            <a:pPr lvl="1"/>
+            <a:r>
+              <a:rPr lang="en-US" dirty="0" smtClean="0"/>
+              <a:t>Introduction to Bioconductor I</a:t>
+            </a:r>
+          </a:p>
+          <a:p>
+            <a:pPr indent="-285750"/>
+            <a:r>
+              <a:rPr lang="en-US" dirty="0" smtClean="0"/>
+              <a:t>Next class:</a:t>
+            </a:r>
+          </a:p>
+          <a:p>
+            <a:pPr lvl="1"/>
+            <a:r>
+              <a:rPr lang="en-US" dirty="0" smtClean="0"/>
+              <a:t>Introduction to Bioconductor II</a:t>
+            </a:r>
+          </a:p>
+          <a:p>
+            <a:pPr marL="457200" lvl="1" indent="0">
+              <a:buNone/>
+            </a:pPr>
             <a:endParaRPr lang="en-US" dirty="0"/>
           </a:p>
         </p:txBody>
@@ -7338,7 +7465,7 @@
     </p:spTree>
     <p:extLst>
       <p:ext uri="{BB962C8B-B14F-4D97-AF65-F5344CB8AC3E}">
-        <p14:creationId xmlns:p14="http://schemas.microsoft.com/office/powerpoint/2010/main" val="910623725"/>
+        <p14:creationId xmlns:p14="http://schemas.microsoft.com/office/powerpoint/2010/main" val="2925747970"/>
       </p:ext>
     </p:extLst>
   </p:cSld>
@@ -7382,7 +7509,7 @@
           <a:p>
             <a:r>
               <a:rPr lang="en-US" dirty="0" smtClean="0"/>
-              <a:t>Some options</a:t>
+              <a:t>Getting started</a:t>
             </a:r>
             <a:endParaRPr lang="en-US" dirty="0"/>
           </a:p>
@@ -7400,60 +7527,45 @@
         </p:nvSpPr>
         <p:spPr/>
         <p:txBody>
-          <a:bodyPr/>
-          <a:lstStyle/>
-          <a:p>
-            <a:r>
-              <a:rPr lang="en-US" dirty="0" smtClean="0"/>
-              <a:t>Blind keyword search </a:t>
-            </a:r>
-          </a:p>
-          <a:p>
-            <a:pPr lvl="1"/>
-            <a:r>
-              <a:rPr lang="en-US" dirty="0" smtClean="0"/>
-              <a:t>How do you evaluate these for accuracy?</a:t>
-            </a:r>
-          </a:p>
-          <a:p>
-            <a:r>
-              <a:rPr lang="en-US" dirty="0" smtClean="0"/>
-              <a:t>Coursera or other MOOC search</a:t>
-            </a:r>
-          </a:p>
-          <a:p>
-            <a:pPr lvl="1"/>
-            <a:r>
-              <a:rPr lang="en-US" dirty="0" smtClean="0"/>
-              <a:t>Maybe only need 1-2 of the many methods covered in a course</a:t>
-            </a:r>
-          </a:p>
-          <a:p>
-            <a:r>
-              <a:rPr lang="en-US" dirty="0"/>
-              <a:t>University </a:t>
-            </a:r>
-            <a:r>
-              <a:rPr lang="en-US" dirty="0" smtClean="0"/>
-              <a:t>Department search</a:t>
-            </a:r>
-          </a:p>
-          <a:p>
-            <a:pPr lvl="1"/>
-            <a:r>
-              <a:rPr lang="en-US" dirty="0" smtClean="0"/>
-              <a:t>Maybe a bit too technical</a:t>
-            </a:r>
-          </a:p>
-          <a:p>
-            <a:pPr lvl="1"/>
-            <a:r>
-              <a:rPr lang="en-US" dirty="0" smtClean="0"/>
-              <a:t>Inconsistent naming schema</a:t>
-            </a:r>
-            <a:endParaRPr lang="en-US" dirty="0"/>
-          </a:p>
-          <a:p>
+          <a:bodyPr>
+            <a:normAutofit lnSpcReduction="10000"/>
+          </a:bodyPr>
+          <a:lstStyle/>
+          <a:p>
+            <a:r>
+              <a:rPr lang="en-US" dirty="0" smtClean="0"/>
+              <a:t>Your lab just got a grant to do a bulk RNASeq project. Sweet!</a:t>
+            </a:r>
+          </a:p>
+          <a:p>
+            <a:r>
+              <a:rPr lang="en-US" dirty="0" smtClean="0"/>
+              <a:t>Your lab partner is handling the data collection and you have volunteered to learn to do the analysis.</a:t>
+            </a:r>
+          </a:p>
+          <a:p>
+            <a:r>
+              <a:rPr lang="en-US" dirty="0" smtClean="0"/>
+              <a:t>This is your first analysis project. You have no experience in these methods and maybe you have had some math classes and maybe you haven’t. </a:t>
+            </a:r>
+          </a:p>
+          <a:p>
+            <a:r>
+              <a:rPr lang="en-US" dirty="0" smtClean="0"/>
+              <a:t>Your P.I. has seen a few papers on experiments using RNASeq but primarily wants you to replicate the graphs in the papers, their expertise is not in the analysis methods</a:t>
+            </a:r>
+          </a:p>
+          <a:p>
+            <a:r>
+              <a:rPr lang="en-US" dirty="0" smtClean="0"/>
+              <a:t>You know of some faculty who specialize in analysis of this type of data and could ask them but you want to be able to come to them with thoughtful questions </a:t>
+            </a:r>
+          </a:p>
+          <a:p>
+            <a:r>
+              <a:rPr lang="en-US" dirty="0" smtClean="0"/>
+              <a:t>What would you do?</a:t>
+            </a:r>
             <a:endParaRPr lang="en-US" dirty="0"/>
           </a:p>
         </p:txBody>
@@ -7461,7 +7573,7 @@
     </p:spTree>
     <p:extLst>
       <p:ext uri="{BB962C8B-B14F-4D97-AF65-F5344CB8AC3E}">
-        <p14:creationId xmlns:p14="http://schemas.microsoft.com/office/powerpoint/2010/main" val="4169390773"/>
+        <p14:creationId xmlns:p14="http://schemas.microsoft.com/office/powerpoint/2010/main" val="910623725"/>
       </p:ext>
     </p:extLst>
   </p:cSld>
@@ -7505,7 +7617,7 @@
           <a:p>
             <a:r>
               <a:rPr lang="en-US" dirty="0" smtClean="0"/>
-              <a:t>Bioconductor: A resource, a community</a:t>
+              <a:t>Some options</a:t>
             </a:r>
             <a:endParaRPr lang="en-US" dirty="0"/>
           </a:p>
@@ -7526,62 +7638,57 @@
           <a:bodyPr/>
           <a:lstStyle/>
           <a:p>
-            <a:pPr marL="0" indent="0" algn="ctr">
-              <a:buNone/>
-            </a:pPr>
-            <a:r>
-              <a:rPr lang="en-US" dirty="0" smtClean="0"/>
-              <a:t>“to promote the statistical analysis and comprehension of current and emerging high through-put biological assays”</a:t>
-            </a:r>
-          </a:p>
-          <a:p>
-            <a:pPr marL="0" indent="0" algn="ctr">
-              <a:buNone/>
-            </a:pPr>
-            <a:endParaRPr lang="en-US" dirty="0" smtClean="0"/>
-          </a:p>
-          <a:p>
-            <a:pPr marL="0" indent="0" algn="ctr">
-              <a:buNone/>
-            </a:pPr>
-            <a:endParaRPr lang="en-US" dirty="0" smtClean="0"/>
-          </a:p>
-          <a:p>
-            <a:r>
-              <a:rPr lang="en-US" dirty="0" smtClean="0"/>
-              <a:t>Primarily in R (see </a:t>
-            </a:r>
-            <a:r>
-              <a:rPr lang="en-US" dirty="0" err="1" smtClean="0"/>
-              <a:t>BioPython</a:t>
-            </a:r>
-            <a:r>
-              <a:rPr lang="en-US" dirty="0" smtClean="0"/>
-              <a:t>)</a:t>
-            </a:r>
-          </a:p>
-          <a:p>
-            <a:r>
-              <a:rPr lang="en-US" dirty="0" smtClean="0"/>
-              <a:t>Open-source</a:t>
-            </a:r>
-          </a:p>
-          <a:p>
-            <a:r>
-              <a:rPr lang="en-US" dirty="0" smtClean="0"/>
-              <a:t>Collaborative</a:t>
-            </a:r>
-          </a:p>
-          <a:p>
-            <a:r>
-              <a:rPr lang="en-US" dirty="0" smtClean="0"/>
-              <a:t>Reproducible research</a:t>
-            </a:r>
-          </a:p>
-          <a:p>
-            <a:pPr marL="0" indent="0">
-              <a:buNone/>
-            </a:pPr>
+            <a:r>
+              <a:rPr lang="en-US" dirty="0" smtClean="0"/>
+              <a:t>Blind keyword search </a:t>
+            </a:r>
+          </a:p>
+          <a:p>
+            <a:pPr lvl="1"/>
+            <a:r>
+              <a:rPr lang="en-US" dirty="0" smtClean="0"/>
+              <a:t>How do you evaluate these for accuracy?</a:t>
+            </a:r>
+          </a:p>
+          <a:p>
+            <a:r>
+              <a:rPr lang="en-US" dirty="0" smtClean="0"/>
+              <a:t>Coursera or other MOOC search</a:t>
+            </a:r>
+          </a:p>
+          <a:p>
+            <a:pPr lvl="1"/>
+            <a:r>
+              <a:rPr lang="en-US" dirty="0" smtClean="0"/>
+              <a:t>Maybe only need 1-2 of the many methods covered in a course</a:t>
+            </a:r>
+          </a:p>
+          <a:p>
+            <a:r>
+              <a:rPr lang="en-US" dirty="0"/>
+              <a:t>University </a:t>
+            </a:r>
+            <a:r>
+              <a:rPr lang="en-US" dirty="0" smtClean="0"/>
+              <a:t>Department search</a:t>
+            </a:r>
+          </a:p>
+          <a:p>
+            <a:pPr lvl="1"/>
+            <a:r>
+              <a:rPr lang="en-US" dirty="0" smtClean="0"/>
+              <a:t>Maybe a bit too technical</a:t>
+            </a:r>
+          </a:p>
+          <a:p>
+            <a:pPr lvl="1"/>
+            <a:r>
+              <a:rPr lang="en-US" dirty="0" smtClean="0"/>
+              <a:t>Inconsistent naming schema</a:t>
+            </a:r>
+            <a:endParaRPr lang="en-US" dirty="0"/>
+          </a:p>
+          <a:p>
             <a:endParaRPr lang="en-US" dirty="0"/>
           </a:p>
         </p:txBody>
@@ -7589,7 +7696,7 @@
     </p:spTree>
     <p:extLst>
       <p:ext uri="{BB962C8B-B14F-4D97-AF65-F5344CB8AC3E}">
-        <p14:creationId xmlns:p14="http://schemas.microsoft.com/office/powerpoint/2010/main" val="2513170307"/>
+        <p14:creationId xmlns:p14="http://schemas.microsoft.com/office/powerpoint/2010/main" val="4169390773"/>
       </p:ext>
     </p:extLst>
   </p:cSld>
@@ -7633,6 +7740,134 @@
           <a:p>
             <a:r>
               <a:rPr lang="en-US" dirty="0" smtClean="0"/>
+              <a:t>Bioconductor: A resource, a community</a:t>
+            </a:r>
+            <a:endParaRPr lang="en-US" dirty="0"/>
+          </a:p>
+        </p:txBody>
+      </p:sp>
+      <p:sp>
+        <p:nvSpPr>
+          <p:cNvPr id="3" name="Content Placeholder 2"/>
+          <p:cNvSpPr>
+            <a:spLocks noGrp="1"/>
+          </p:cNvSpPr>
+          <p:nvPr>
+            <p:ph idx="1"/>
+          </p:nvPr>
+        </p:nvSpPr>
+        <p:spPr/>
+        <p:txBody>
+          <a:bodyPr/>
+          <a:lstStyle/>
+          <a:p>
+            <a:pPr marL="0" indent="0" algn="ctr">
+              <a:buNone/>
+            </a:pPr>
+            <a:r>
+              <a:rPr lang="en-US" dirty="0" smtClean="0"/>
+              <a:t>“to promote the statistical analysis and comprehension of current and emerging high through-put biological assays”</a:t>
+            </a:r>
+          </a:p>
+          <a:p>
+            <a:pPr marL="0" indent="0" algn="ctr">
+              <a:buNone/>
+            </a:pPr>
+            <a:endParaRPr lang="en-US" dirty="0" smtClean="0"/>
+          </a:p>
+          <a:p>
+            <a:pPr marL="0" indent="0" algn="ctr">
+              <a:buNone/>
+            </a:pPr>
+            <a:endParaRPr lang="en-US" dirty="0" smtClean="0"/>
+          </a:p>
+          <a:p>
+            <a:r>
+              <a:rPr lang="en-US" dirty="0" smtClean="0"/>
+              <a:t>Primarily in R (see </a:t>
+            </a:r>
+            <a:r>
+              <a:rPr lang="en-US" dirty="0" err="1" smtClean="0"/>
+              <a:t>BioPython</a:t>
+            </a:r>
+            <a:r>
+              <a:rPr lang="en-US" dirty="0" smtClean="0"/>
+              <a:t>)</a:t>
+            </a:r>
+          </a:p>
+          <a:p>
+            <a:r>
+              <a:rPr lang="en-US" dirty="0" smtClean="0"/>
+              <a:t>Open-source</a:t>
+            </a:r>
+          </a:p>
+          <a:p>
+            <a:r>
+              <a:rPr lang="en-US" dirty="0" smtClean="0"/>
+              <a:t>Collaborative</a:t>
+            </a:r>
+          </a:p>
+          <a:p>
+            <a:r>
+              <a:rPr lang="en-US" dirty="0" smtClean="0"/>
+              <a:t>Reproducible research</a:t>
+            </a:r>
+          </a:p>
+          <a:p>
+            <a:pPr marL="0" indent="0">
+              <a:buNone/>
+            </a:pPr>
+            <a:endParaRPr lang="en-US" dirty="0"/>
+          </a:p>
+        </p:txBody>
+      </p:sp>
+    </p:spTree>
+    <p:extLst>
+      <p:ext uri="{BB962C8B-B14F-4D97-AF65-F5344CB8AC3E}">
+        <p14:creationId xmlns:p14="http://schemas.microsoft.com/office/powerpoint/2010/main" val="2513170307"/>
+      </p:ext>
+    </p:extLst>
+  </p:cSld>
+  <p:clrMapOvr>
+    <a:masterClrMapping/>
+  </p:clrMapOvr>
+</p:sld>
+</file>
+
+<file path=ppt/slides/slide8.xml><?xml version="1.0" encoding="utf-8"?>
+<p:sld xmlns:a="http://schemas.openxmlformats.org/drawingml/2006/main" xmlns:r="http://schemas.openxmlformats.org/officeDocument/2006/relationships" xmlns:p="http://schemas.openxmlformats.org/presentationml/2006/main">
+  <p:cSld>
+    <p:spTree>
+      <p:nvGrpSpPr>
+        <p:cNvPr id="1" name=""/>
+        <p:cNvGrpSpPr/>
+        <p:nvPr/>
+      </p:nvGrpSpPr>
+      <p:grpSpPr>
+        <a:xfrm>
+          <a:off x="0" y="0"/>
+          <a:ext cx="0" cy="0"/>
+          <a:chOff x="0" y="0"/>
+          <a:chExt cx="0" cy="0"/>
+        </a:xfrm>
+      </p:grpSpPr>
+      <p:sp>
+        <p:nvSpPr>
+          <p:cNvPr id="2" name="Title 1"/>
+          <p:cNvSpPr>
+            <a:spLocks noGrp="1"/>
+          </p:cNvSpPr>
+          <p:nvPr>
+            <p:ph type="title"/>
+          </p:nvPr>
+        </p:nvSpPr>
+        <p:spPr/>
+        <p:txBody>
+          <a:bodyPr/>
+          <a:lstStyle/>
+          <a:p>
+            <a:r>
+              <a:rPr lang="en-US" dirty="0" smtClean="0"/>
               <a:t>Goals</a:t>
             </a:r>
             <a:endParaRPr lang="en-US" dirty="0"/>
@@ -7862,7 +8097,7 @@
 </p:sld>
 </file>
 
-<file path=ppt/slides/slide8.xml><?xml version="1.0" encoding="utf-8"?>
+<file path=ppt/slides/slide9.xml><?xml version="1.0" encoding="utf-8"?>
 <p:sld xmlns:a="http://schemas.openxmlformats.org/drawingml/2006/main" xmlns:r="http://schemas.openxmlformats.org/officeDocument/2006/relationships" xmlns:p="http://schemas.openxmlformats.org/presentationml/2006/main">
   <p:cSld>
     <p:spTree>
@@ -8439,103 +8674,6 @@
 </p:sld>
 </file>
 
-<file path=ppt/slides/slide9.xml><?xml version="1.0" encoding="utf-8"?>
-<p:sld xmlns:a="http://schemas.openxmlformats.org/drawingml/2006/main" xmlns:r="http://schemas.openxmlformats.org/officeDocument/2006/relationships" xmlns:p="http://schemas.openxmlformats.org/presentationml/2006/main">
-  <p:cSld>
-    <p:spTree>
-      <p:nvGrpSpPr>
-        <p:cNvPr id="1" name=""/>
-        <p:cNvGrpSpPr/>
-        <p:nvPr/>
-      </p:nvGrpSpPr>
-      <p:grpSpPr>
-        <a:xfrm>
-          <a:off x="0" y="0"/>
-          <a:ext cx="0" cy="0"/>
-          <a:chOff x="0" y="0"/>
-          <a:chExt cx="0" cy="0"/>
-        </a:xfrm>
-      </p:grpSpPr>
-      <p:sp>
-        <p:nvSpPr>
-          <p:cNvPr id="2" name="Title 1"/>
-          <p:cNvSpPr>
-            <a:spLocks noGrp="1"/>
-          </p:cNvSpPr>
-          <p:nvPr>
-            <p:ph type="title"/>
-          </p:nvPr>
-        </p:nvSpPr>
-        <p:spPr/>
-        <p:txBody>
-          <a:bodyPr/>
-          <a:lstStyle/>
-          <a:p>
-            <a:r>
-              <a:rPr lang="en-US" dirty="0" smtClean="0"/>
-              <a:t>Open-source collaboration &amp; competition to publish first</a:t>
-            </a:r>
-            <a:endParaRPr lang="en-US" dirty="0"/>
-          </a:p>
-        </p:txBody>
-      </p:sp>
-      <p:sp>
-        <p:nvSpPr>
-          <p:cNvPr id="3" name="Content Placeholder 2"/>
-          <p:cNvSpPr>
-            <a:spLocks noGrp="1"/>
-          </p:cNvSpPr>
-          <p:nvPr>
-            <p:ph idx="1"/>
-          </p:nvPr>
-        </p:nvSpPr>
-        <p:spPr/>
-        <p:txBody>
-          <a:bodyPr/>
-          <a:lstStyle/>
-          <a:p>
-            <a:r>
-              <a:rPr lang="en-US" dirty="0" smtClean="0"/>
-              <a:t>Have you encountered this apparent dichotomy? </a:t>
-            </a:r>
-          </a:p>
-          <a:p>
-            <a:r>
-              <a:rPr lang="en-US" dirty="0" smtClean="0"/>
-              <a:t>How do you think we should address it?</a:t>
-            </a:r>
-          </a:p>
-          <a:p>
-            <a:r>
-              <a:rPr lang="en-US" dirty="0" smtClean="0"/>
-              <a:t>How do you resolve it for yourself?</a:t>
-            </a:r>
-          </a:p>
-          <a:p>
-            <a:endParaRPr lang="en-US" dirty="0"/>
-          </a:p>
-        </p:txBody>
-      </p:sp>
-    </p:spTree>
-    <p:extLst>
-      <p:ext uri="{BB962C8B-B14F-4D97-AF65-F5344CB8AC3E}">
-        <p14:creationId xmlns:p14="http://schemas.microsoft.com/office/powerpoint/2010/main" val="876867638"/>
-      </p:ext>
-    </p:extLst>
-  </p:cSld>
-  <p:clrMapOvr>
-    <a:masterClrMapping/>
-  </p:clrMapOvr>
-  <p:timing>
-    <p:tnLst>
-      <p:par>
-        <p:cTn id="1" dur="indefinite" restart="never" nodeType="tmRoot"/>
-      </p:par>
-    </p:tnLst>
-  </p:timing>
-</p:sld>
-</file>
-
 <file path=ppt/theme/theme1.xml><?xml version="1.0" encoding="utf-8"?>
 <a:theme xmlns:a="http://schemas.openxmlformats.org/drawingml/2006/main" name="Facet">
   <a:themeElements>
